--- a/Gender Bias In Knesset Committees - presentation - HLD/Knesset Committees Gender Bias App HLD.pptx
+++ b/Gender Bias In Knesset Committees - presentation - HLD/Knesset Committees Gender Bias App HLD.pptx
@@ -14,6 +14,7 @@
     <p:sldId id="269" r:id="rId8"/>
     <p:sldId id="266" r:id="rId9"/>
     <p:sldId id="268" r:id="rId10"/>
+    <p:sldId id="272" r:id="rId11"/>
   </p:sldIdLst>
   <p:sldSz cx="12192000" cy="6858000"/>
   <p:notesSz cx="6858000" cy="9144000"/>
@@ -112,6 +113,11 @@
       </a:defRPr>
     </a:lvl9pPr>
   </p:defaultTextStyle>
+  <p:extLst>
+    <p:ext uri="{EFAFB233-063F-42B5-8137-9DF3F51BA10A}">
+      <p15:sldGuideLst xmlns:p15="http://schemas.microsoft.com/office/powerpoint/2012/main"/>
+    </p:ext>
+  </p:extLst>
 </p:presentation>
 </file>
 
@@ -262,7 +268,7 @@
           <a:p>
             <a:fld id="{EFE46ADB-3489-4B54-9804-5A7E77D34948}" type="datetimeFigureOut">
               <a:rPr lang="en-US" smtClean="0"/>
-              <a:t>7/24/2022</a:t>
+              <a:t>7/26/2022</a:t>
             </a:fld>
             <a:endParaRPr lang="en-US"/>
           </a:p>
@@ -460,7 +466,7 @@
           <a:p>
             <a:fld id="{EFE46ADB-3489-4B54-9804-5A7E77D34948}" type="datetimeFigureOut">
               <a:rPr lang="en-US" smtClean="0"/>
-              <a:t>7/24/2022</a:t>
+              <a:t>7/26/2022</a:t>
             </a:fld>
             <a:endParaRPr lang="en-US"/>
           </a:p>
@@ -668,7 +674,7 @@
           <a:p>
             <a:fld id="{EFE46ADB-3489-4B54-9804-5A7E77D34948}" type="datetimeFigureOut">
               <a:rPr lang="en-US" smtClean="0"/>
-              <a:t>7/24/2022</a:t>
+              <a:t>7/26/2022</a:t>
             </a:fld>
             <a:endParaRPr lang="en-US"/>
           </a:p>
@@ -866,7 +872,7 @@
           <a:p>
             <a:fld id="{EFE46ADB-3489-4B54-9804-5A7E77D34948}" type="datetimeFigureOut">
               <a:rPr lang="en-US" smtClean="0"/>
-              <a:t>7/24/2022</a:t>
+              <a:t>7/26/2022</a:t>
             </a:fld>
             <a:endParaRPr lang="en-US"/>
           </a:p>
@@ -1141,7 +1147,7 @@
           <a:p>
             <a:fld id="{EFE46ADB-3489-4B54-9804-5A7E77D34948}" type="datetimeFigureOut">
               <a:rPr lang="en-US" smtClean="0"/>
-              <a:t>7/24/2022</a:t>
+              <a:t>7/26/2022</a:t>
             </a:fld>
             <a:endParaRPr lang="en-US"/>
           </a:p>
@@ -1406,7 +1412,7 @@
           <a:p>
             <a:fld id="{EFE46ADB-3489-4B54-9804-5A7E77D34948}" type="datetimeFigureOut">
               <a:rPr lang="en-US" smtClean="0"/>
-              <a:t>7/24/2022</a:t>
+              <a:t>7/26/2022</a:t>
             </a:fld>
             <a:endParaRPr lang="en-US"/>
           </a:p>
@@ -1818,7 +1824,7 @@
           <a:p>
             <a:fld id="{EFE46ADB-3489-4B54-9804-5A7E77D34948}" type="datetimeFigureOut">
               <a:rPr lang="en-US" smtClean="0"/>
-              <a:t>7/24/2022</a:t>
+              <a:t>7/26/2022</a:t>
             </a:fld>
             <a:endParaRPr lang="en-US"/>
           </a:p>
@@ -1959,7 +1965,7 @@
           <a:p>
             <a:fld id="{EFE46ADB-3489-4B54-9804-5A7E77D34948}" type="datetimeFigureOut">
               <a:rPr lang="en-US" smtClean="0"/>
-              <a:t>7/24/2022</a:t>
+              <a:t>7/26/2022</a:t>
             </a:fld>
             <a:endParaRPr lang="en-US"/>
           </a:p>
@@ -2072,7 +2078,7 @@
           <a:p>
             <a:fld id="{EFE46ADB-3489-4B54-9804-5A7E77D34948}" type="datetimeFigureOut">
               <a:rPr lang="en-US" smtClean="0"/>
-              <a:t>7/24/2022</a:t>
+              <a:t>7/26/2022</a:t>
             </a:fld>
             <a:endParaRPr lang="en-US"/>
           </a:p>
@@ -2383,7 +2389,7 @@
           <a:p>
             <a:fld id="{EFE46ADB-3489-4B54-9804-5A7E77D34948}" type="datetimeFigureOut">
               <a:rPr lang="en-US" smtClean="0"/>
-              <a:t>7/24/2022</a:t>
+              <a:t>7/26/2022</a:t>
             </a:fld>
             <a:endParaRPr lang="en-US"/>
           </a:p>
@@ -2671,7 +2677,7 @@
           <a:p>
             <a:fld id="{EFE46ADB-3489-4B54-9804-5A7E77D34948}" type="datetimeFigureOut">
               <a:rPr lang="en-US" smtClean="0"/>
-              <a:t>7/24/2022</a:t>
+              <a:t>7/26/2022</a:t>
             </a:fld>
             <a:endParaRPr lang="en-US"/>
           </a:p>
@@ -2912,7 +2918,7 @@
           <a:p>
             <a:fld id="{EFE46ADB-3489-4B54-9804-5A7E77D34948}" type="datetimeFigureOut">
               <a:rPr lang="en-US" smtClean="0"/>
-              <a:t>7/24/2022</a:t>
+              <a:t>7/26/2022</a:t>
             </a:fld>
             <a:endParaRPr lang="en-US"/>
           </a:p>
@@ -3903,7 +3909,7 @@
 </p:sld>
 </file>
 
-<file path=ppt/slides/slide2.xml><?xml version="1.0" encoding="utf-8"?>
+<file path=ppt/slides/slide10.xml><?xml version="1.0" encoding="utf-8"?>
 <p:sld xmlns:a="http://schemas.openxmlformats.org/drawingml/2006/main" xmlns:r="http://schemas.openxmlformats.org/officeDocument/2006/relationships" xmlns:p="http://schemas.openxmlformats.org/presentationml/2006/main">
   <p:cSld>
     <p:bg>
@@ -4209,90 +4215,80 @@
           </a:p>
         </p:txBody>
       </p:sp>
-      <p:sp>
-        <p:nvSpPr>
-          <p:cNvPr id="2" name="Title 1">
-            <a:extLst>
-              <a:ext uri="{FF2B5EF4-FFF2-40B4-BE49-F238E27FC236}">
-                <a16:creationId xmlns:a16="http://schemas.microsoft.com/office/drawing/2014/main" id="{8CCC1DC2-327D-A26E-D601-B14F389714C2}"/>
-              </a:ext>
-            </a:extLst>
-          </p:cNvPr>
-          <p:cNvSpPr>
-            <a:spLocks noGrp="1"/>
-          </p:cNvSpPr>
-          <p:nvPr>
-            <p:ph type="title"/>
-          </p:nvPr>
-        </p:nvSpPr>
+      <p:pic>
+        <p:nvPicPr>
+          <p:cNvPr id="11" name="Picture 10" descr="Shape&#10;&#10;Description automatically generated with low confidence">
+            <a:extLst>
+              <a:ext uri="{FF2B5EF4-FFF2-40B4-BE49-F238E27FC236}">
+                <a16:creationId xmlns:a16="http://schemas.microsoft.com/office/drawing/2014/main" id="{1B92D7FE-F7B8-D8C7-50D1-819D9B327B0C}"/>
+              </a:ext>
+            </a:extLst>
+          </p:cNvPr>
+          <p:cNvPicPr>
+            <a:picLocks noChangeAspect="1"/>
+          </p:cNvPicPr>
+          <p:nvPr/>
+        </p:nvPicPr>
+        <p:blipFill>
+          <a:blip r:embed="rId2">
+            <a:lum bright="70000" contrast="-70000"/>
+            <a:extLst>
+              <a:ext uri="{28A0092B-C50C-407E-A947-70E740481C1C}">
+                <a14:useLocalDpi xmlns:a14="http://schemas.microsoft.com/office/drawing/2010/main" val="0"/>
+              </a:ext>
+            </a:extLst>
+          </a:blip>
+          <a:stretch>
+            <a:fillRect/>
+          </a:stretch>
+        </p:blipFill>
         <p:spPr>
           <a:xfrm>
-            <a:off x="833002" y="365125"/>
-            <a:ext cx="10520702" cy="1325563"/>
+            <a:off x="4648279" y="1466431"/>
+            <a:ext cx="3581400" cy="3581400"/>
           </a:xfrm>
+          <a:prstGeom prst="rect">
+            <a:avLst/>
+          </a:prstGeom>
         </p:spPr>
-        <p:txBody>
-          <a:bodyPr>
-            <a:normAutofit/>
+      </p:pic>
+      <p:sp>
+        <p:nvSpPr>
+          <p:cNvPr id="13" name="TextBox 12">
+            <a:extLst>
+              <a:ext uri="{FF2B5EF4-FFF2-40B4-BE49-F238E27FC236}">
+                <a16:creationId xmlns:a16="http://schemas.microsoft.com/office/drawing/2014/main" id="{DCE0996C-4809-340B-5F19-1DCED59A127A}"/>
+              </a:ext>
+            </a:extLst>
+          </p:cNvPr>
+          <p:cNvSpPr txBox="1"/>
+          <p:nvPr/>
+        </p:nvSpPr>
+        <p:spPr>
+          <a:xfrm>
+            <a:off x="2931842" y="5047831"/>
+            <a:ext cx="7014273" cy="923330"/>
+          </a:xfrm>
+          <a:prstGeom prst="rect">
+            <a:avLst/>
+          </a:prstGeom>
+          <a:noFill/>
+        </p:spPr>
+        <p:txBody>
+          <a:bodyPr wrap="square" rtlCol="0">
+            <a:spAutoFit/>
           </a:bodyPr>
           <a:lstStyle/>
           <a:p>
             <a:r>
-              <a:rPr lang="en-US">
+              <a:rPr lang="en-US" sz="5400" dirty="0">
                 <a:solidFill>
-                  <a:srgbClr val="FFFFFF"/>
+                  <a:schemeClr val="tx2">
+                    <a:lumMod val="90000"/>
+                  </a:schemeClr>
                 </a:solidFill>
               </a:rPr>
-              <a:t>Project Goal</a:t>
-            </a:r>
-          </a:p>
-        </p:txBody>
-      </p:sp>
-      <p:sp>
-        <p:nvSpPr>
-          <p:cNvPr id="3" name="Content Placeholder 2">
-            <a:extLst>
-              <a:ext uri="{FF2B5EF4-FFF2-40B4-BE49-F238E27FC236}">
-                <a16:creationId xmlns:a16="http://schemas.microsoft.com/office/drawing/2014/main" id="{4E79EDCA-77FD-F006-DA1D-6897D61EAECF}"/>
-              </a:ext>
-            </a:extLst>
-          </p:cNvPr>
-          <p:cNvSpPr>
-            <a:spLocks noGrp="1"/>
-          </p:cNvSpPr>
-          <p:nvPr>
-            <p:ph idx="1"/>
-          </p:nvPr>
-        </p:nvSpPr>
-        <p:spPr>
-          <a:xfrm>
-            <a:off x="838201" y="2022601"/>
-            <a:ext cx="10515598" cy="4154361"/>
-          </a:xfrm>
-        </p:spPr>
-        <p:txBody>
-          <a:bodyPr>
-            <a:normAutofit/>
-          </a:bodyPr>
-          <a:lstStyle/>
-          <a:p>
-            <a:r>
-              <a:rPr lang="en-US" sz="2000">
-                <a:solidFill>
-                  <a:srgbClr val="FFFFFF"/>
-                </a:solidFill>
-              </a:rPr>
-              <a:t>Our goal in this project is to check equality/inequality in the Knesset Committees.</a:t>
-            </a:r>
-          </a:p>
-          <a:p>
-            <a:r>
-              <a:rPr lang="en-US" sz="2000">
-                <a:solidFill>
-                  <a:srgbClr val="FFFFFF"/>
-                </a:solidFill>
-              </a:rPr>
-              <a:t>Since there is a serious social struggle with freedom of speech of women in many fields in the community, we want to see if the Knesset gives women the same space to speak as it gives the men.</a:t>
+              <a:t>Thank You For Listening!</a:t>
             </a:r>
           </a:p>
         </p:txBody>
@@ -4300,7 +4296,7 @@
     </p:spTree>
     <p:extLst>
       <p:ext uri="{BB962C8B-B14F-4D97-AF65-F5344CB8AC3E}">
-        <p14:creationId xmlns:p14="http://schemas.microsoft.com/office/powerpoint/2010/main" val="287719602"/>
+        <p14:creationId xmlns:p14="http://schemas.microsoft.com/office/powerpoint/2010/main" val="1054620575"/>
       </p:ext>
     </p:extLst>
   </p:cSld>
@@ -4310,7 +4306,7 @@
 </p:sld>
 </file>
 
-<file path=ppt/slides/slide3.xml><?xml version="1.0" encoding="utf-8"?>
+<file path=ppt/slides/slide2.xml><?xml version="1.0" encoding="utf-8"?>
 <p:sld xmlns:a="http://schemas.openxmlformats.org/drawingml/2006/main" xmlns:r="http://schemas.openxmlformats.org/officeDocument/2006/relationships" xmlns:p="http://schemas.openxmlformats.org/presentationml/2006/main">
   <p:cSld>
     <p:bg>
@@ -4621,7 +4617,7 @@
           <p:cNvPr id="2" name="Title 1">
             <a:extLst>
               <a:ext uri="{FF2B5EF4-FFF2-40B4-BE49-F238E27FC236}">
-                <a16:creationId xmlns:a16="http://schemas.microsoft.com/office/drawing/2014/main" id="{831BE50D-3BE3-2095-0464-686B41930C63}"/>
+                <a16:creationId xmlns:a16="http://schemas.microsoft.com/office/drawing/2014/main" id="{8CCC1DC2-327D-A26E-D601-B14F389714C2}"/>
               </a:ext>
             </a:extLst>
           </p:cNvPr>
@@ -4650,7 +4646,7 @@
                   <a:srgbClr val="FFFFFF"/>
                 </a:solidFill>
               </a:rPr>
-              <a:t>Strategy </a:t>
+              <a:t>Project Goal</a:t>
             </a:r>
           </a:p>
         </p:txBody>
@@ -4660,7 +4656,7 @@
           <p:cNvPr id="3" name="Content Placeholder 2">
             <a:extLst>
               <a:ext uri="{FF2B5EF4-FFF2-40B4-BE49-F238E27FC236}">
-                <a16:creationId xmlns:a16="http://schemas.microsoft.com/office/drawing/2014/main" id="{8D6B9323-1B67-F98D-2120-DF55833C7310}"/>
+                <a16:creationId xmlns:a16="http://schemas.microsoft.com/office/drawing/2014/main" id="{4E79EDCA-77FD-F006-DA1D-6897D61EAECF}"/>
               </a:ext>
             </a:extLst>
           </p:cNvPr>
@@ -4689,7 +4685,7 @@
                   <a:srgbClr val="FFFFFF"/>
                 </a:solidFill>
               </a:rPr>
-              <a:t>In our project we are dealing with big messy data, our mission was to go over all that data and convert it to small smart data.</a:t>
+              <a:t>Our goal in this project is to check equality/inequality in the Knesset Committees.</a:t>
             </a:r>
           </a:p>
           <a:p>
@@ -4699,7 +4695,7 @@
                   <a:srgbClr val="FFFFFF"/>
                 </a:solidFill>
               </a:rPr>
-              <a:t>We worked in a generic way and divided logical components of the project (like extracting algorithms and so) which will help us expand our project in the future for further research and easily handle faults and bugs</a:t>
+              <a:t>Since there is a serious social struggle with freedom of speech of women in many fields in the community, we want to see if the Knesset gives women the same space to speak as it gives the men.</a:t>
             </a:r>
           </a:p>
         </p:txBody>
@@ -4707,7 +4703,7 @@
     </p:spTree>
     <p:extLst>
       <p:ext uri="{BB962C8B-B14F-4D97-AF65-F5344CB8AC3E}">
-        <p14:creationId xmlns:p14="http://schemas.microsoft.com/office/powerpoint/2010/main" val="3270281924"/>
+        <p14:creationId xmlns:p14="http://schemas.microsoft.com/office/powerpoint/2010/main" val="287719602"/>
       </p:ext>
     </p:extLst>
   </p:cSld>
@@ -4717,7 +4713,7 @@
 </p:sld>
 </file>
 
-<file path=ppt/slides/slide4.xml><?xml version="1.0" encoding="utf-8"?>
+<file path=ppt/slides/slide3.xml><?xml version="1.0" encoding="utf-8"?>
 <p:sld xmlns:a="http://schemas.openxmlformats.org/drawingml/2006/main" xmlns:r="http://schemas.openxmlformats.org/officeDocument/2006/relationships" xmlns:p="http://schemas.openxmlformats.org/presentationml/2006/main">
   <p:cSld>
     <p:bg>
@@ -5028,7 +5024,7 @@
           <p:cNvPr id="2" name="Title 1">
             <a:extLst>
               <a:ext uri="{FF2B5EF4-FFF2-40B4-BE49-F238E27FC236}">
-                <a16:creationId xmlns:a16="http://schemas.microsoft.com/office/drawing/2014/main" id="{B9DA0E66-1A6E-11AE-C362-27BEEDA4F9FD}"/>
+                <a16:creationId xmlns:a16="http://schemas.microsoft.com/office/drawing/2014/main" id="{831BE50D-3BE3-2095-0464-686B41930C63}"/>
               </a:ext>
             </a:extLst>
           </p:cNvPr>
@@ -5057,7 +5053,7 @@
                   <a:srgbClr val="FFFFFF"/>
                 </a:solidFill>
               </a:rPr>
-              <a:t>Working Plan</a:t>
+              <a:t>Strategy </a:t>
             </a:r>
           </a:p>
         </p:txBody>
@@ -5067,7 +5063,7 @@
           <p:cNvPr id="3" name="Content Placeholder 2">
             <a:extLst>
               <a:ext uri="{FF2B5EF4-FFF2-40B4-BE49-F238E27FC236}">
-                <a16:creationId xmlns:a16="http://schemas.microsoft.com/office/drawing/2014/main" id="{15ECBF2B-DE33-1487-8AFF-F17CBDF1B212}"/>
+                <a16:creationId xmlns:a16="http://schemas.microsoft.com/office/drawing/2014/main" id="{8D6B9323-1B67-F98D-2120-DF55833C7310}"/>
               </a:ext>
             </a:extLst>
           </p:cNvPr>
@@ -5090,33 +5086,440 @@
           </a:bodyPr>
           <a:lstStyle/>
           <a:p>
-            <a:pPr marL="0" indent="0">
-              <a:buNone/>
-            </a:pPr>
             <a:r>
               <a:rPr lang="en-US" sz="2000">
                 <a:solidFill>
                   <a:srgbClr val="FFFFFF"/>
                 </a:solidFill>
               </a:rPr>
-              <a:t>We divided our work into several tasks which contains:</a:t>
-            </a:r>
-          </a:p>
-          <a:p>
-            <a:pPr lvl="1"/>
+              <a:t>In our project we are dealing with big messy data, our mission was to go over all that data and convert it to small smart data.</a:t>
+            </a:r>
+          </a:p>
+          <a:p>
             <a:r>
               <a:rPr lang="en-US" sz="2000">
                 <a:solidFill>
                   <a:srgbClr val="FFFFFF"/>
                 </a:solidFill>
               </a:rPr>
+              <a:t>We worked in a generic way and divided logical components of the project (like extracting algorithms and so) which will help us expand our project in the future for further research and easily handle faults and bugs</a:t>
+            </a:r>
+          </a:p>
+        </p:txBody>
+      </p:sp>
+    </p:spTree>
+    <p:extLst>
+      <p:ext uri="{BB962C8B-B14F-4D97-AF65-F5344CB8AC3E}">
+        <p14:creationId xmlns:p14="http://schemas.microsoft.com/office/powerpoint/2010/main" val="3270281924"/>
+      </p:ext>
+    </p:extLst>
+  </p:cSld>
+  <p:clrMapOvr>
+    <a:overrideClrMapping bg1="dk1" tx1="lt1" bg2="dk2" tx2="lt2" accent1="accent1" accent2="accent2" accent3="accent3" accent4="accent4" accent5="accent5" accent6="accent6" hlink="hlink" folHlink="folHlink"/>
+  </p:clrMapOvr>
+</p:sld>
+</file>
+
+<file path=ppt/slides/slide4.xml><?xml version="1.0" encoding="utf-8"?>
+<p:sld xmlns:a="http://schemas.openxmlformats.org/drawingml/2006/main" xmlns:r="http://schemas.openxmlformats.org/officeDocument/2006/relationships" xmlns:p="http://schemas.openxmlformats.org/presentationml/2006/main">
+  <p:cSld>
+    <p:bg>
+      <p:bgPr>
+        <a:solidFill>
+          <a:srgbClr val="404040"/>
+        </a:solidFill>
+        <a:effectLst/>
+      </p:bgPr>
+    </p:bg>
+    <p:spTree>
+      <p:nvGrpSpPr>
+        <p:cNvPr id="1" name=""/>
+        <p:cNvGrpSpPr/>
+        <p:nvPr/>
+      </p:nvGrpSpPr>
+      <p:grpSpPr>
+        <a:xfrm>
+          <a:off x="0" y="0"/>
+          <a:ext cx="0" cy="0"/>
+          <a:chOff x="0" y="0"/>
+          <a:chExt cx="0" cy="0"/>
+        </a:xfrm>
+      </p:grpSpPr>
+      <p:sp>
+        <p:nvSpPr>
+          <p:cNvPr id="8" name="Rectangle 7">
+            <a:extLst>
+              <a:ext uri="{FF2B5EF4-FFF2-40B4-BE49-F238E27FC236}">
+                <a16:creationId xmlns:a16="http://schemas.microsoft.com/office/drawing/2014/main" id="{EA67B5B4-3A24-436E-B663-1B2EBFF8A0CD}"/>
+              </a:ext>
+              <a:ext uri="{C183D7F6-B498-43B3-948B-1728B52AA6E4}">
+                <adec:decorative xmlns:adec="http://schemas.microsoft.com/office/drawing/2017/decorative" val="1"/>
+              </a:ext>
+            </a:extLst>
+          </p:cNvPr>
+          <p:cNvSpPr>
+            <a:spLocks noGrp="1" noRot="1" noChangeAspect="1" noMove="1" noResize="1" noEditPoints="1" noAdjustHandles="1" noChangeArrowheads="1" noChangeShapeType="1" noTextEdit="1"/>
+          </p:cNvSpPr>
+          <p:nvPr>
+            <p:extLst>
+              <p:ext uri="{386F3935-93C4-4BCD-93E2-E3B085C9AB24}">
+                <p16:designElem xmlns:p16="http://schemas.microsoft.com/office/powerpoint/2015/main" val="1"/>
+              </p:ext>
+            </p:extLst>
+          </p:nvPr>
+        </p:nvSpPr>
+        <p:spPr>
+          <a:xfrm>
+            <a:off x="0" y="-3324"/>
+            <a:ext cx="12192000" cy="6861324"/>
+          </a:xfrm>
+          <a:prstGeom prst="rect">
+            <a:avLst/>
+          </a:prstGeom>
+          <a:solidFill>
+            <a:srgbClr val="404040"/>
+          </a:solidFill>
+          <a:ln>
+            <a:noFill/>
+          </a:ln>
+        </p:spPr>
+        <p:style>
+          <a:lnRef idx="2">
+            <a:schemeClr val="accent1">
+              <a:shade val="50000"/>
+            </a:schemeClr>
+          </a:lnRef>
+          <a:fillRef idx="1">
+            <a:schemeClr val="accent1"/>
+          </a:fillRef>
+          <a:effectRef idx="0">
+            <a:schemeClr val="accent1"/>
+          </a:effectRef>
+          <a:fontRef idx="minor">
+            <a:schemeClr val="lt1"/>
+          </a:fontRef>
+        </p:style>
+        <p:txBody>
+          <a:bodyPr rtlCol="0" anchor="ctr"/>
+          <a:lstStyle/>
+          <a:p>
+            <a:pPr algn="ctr"/>
+            <a:endParaRPr lang="en-US"/>
+          </a:p>
+        </p:txBody>
+      </p:sp>
+      <p:sp>
+        <p:nvSpPr>
+          <p:cNvPr id="10" name="Freeform 13">
+            <a:extLst>
+              <a:ext uri="{FF2B5EF4-FFF2-40B4-BE49-F238E27FC236}">
+                <a16:creationId xmlns:a16="http://schemas.microsoft.com/office/drawing/2014/main" id="{987FDF89-C993-41F4-A1B8-DBAFF16008A9}"/>
+              </a:ext>
+              <a:ext uri="{C183D7F6-B498-43B3-948B-1728B52AA6E4}">
+                <adec:decorative xmlns:adec="http://schemas.microsoft.com/office/drawing/2017/decorative" val="1"/>
+              </a:ext>
+            </a:extLst>
+          </p:cNvPr>
+          <p:cNvSpPr>
+            <a:spLocks noGrp="1" noRot="1" noChangeAspect="1" noMove="1" noResize="1" noEditPoints="1" noAdjustHandles="1" noChangeArrowheads="1" noChangeShapeType="1" noTextEdit="1"/>
+          </p:cNvSpPr>
+          <p:nvPr>
+            <p:extLst>
+              <p:ext uri="{386F3935-93C4-4BCD-93E2-E3B085C9AB24}">
+                <p16:designElem xmlns:p16="http://schemas.microsoft.com/office/powerpoint/2015/main" val="1"/>
+              </p:ext>
+            </p:extLst>
+          </p:nvPr>
+        </p:nvSpPr>
+        <p:spPr>
+          <a:xfrm>
+            <a:off x="0" y="0"/>
+            <a:ext cx="11786754" cy="6858000"/>
+          </a:xfrm>
+          <a:custGeom>
+            <a:avLst/>
+            <a:gdLst>
+              <a:gd name="connsiteX0" fmla="*/ 0 w 11786754"/>
+              <a:gd name="connsiteY0" fmla="*/ 0 h 6858000"/>
+              <a:gd name="connsiteX1" fmla="*/ 8610600 w 11786754"/>
+              <a:gd name="connsiteY1" fmla="*/ 0 h 6858000"/>
+              <a:gd name="connsiteX2" fmla="*/ 11786754 w 11786754"/>
+              <a:gd name="connsiteY2" fmla="*/ 6858000 h 6858000"/>
+              <a:gd name="connsiteX3" fmla="*/ 0 w 11786754"/>
+              <a:gd name="connsiteY3" fmla="*/ 6858000 h 6858000"/>
+            </a:gdLst>
+            <a:ahLst/>
+            <a:cxnLst>
+              <a:cxn ang="0">
+                <a:pos x="connsiteX0" y="connsiteY0"/>
+              </a:cxn>
+              <a:cxn ang="0">
+                <a:pos x="connsiteX1" y="connsiteY1"/>
+              </a:cxn>
+              <a:cxn ang="0">
+                <a:pos x="connsiteX2" y="connsiteY2"/>
+              </a:cxn>
+              <a:cxn ang="0">
+                <a:pos x="connsiteX3" y="connsiteY3"/>
+              </a:cxn>
+            </a:cxnLst>
+            <a:rect l="l" t="t" r="r" b="b"/>
+            <a:pathLst>
+              <a:path w="11786754" h="6858000">
+                <a:moveTo>
+                  <a:pt x="0" y="0"/>
+                </a:moveTo>
+                <a:lnTo>
+                  <a:pt x="8610600" y="0"/>
+                </a:lnTo>
+                <a:lnTo>
+                  <a:pt x="11786754" y="6858000"/>
+                </a:lnTo>
+                <a:lnTo>
+                  <a:pt x="0" y="6858000"/>
+                </a:lnTo>
+                <a:close/>
+              </a:path>
+            </a:pathLst>
+          </a:custGeom>
+          <a:solidFill>
+            <a:srgbClr val="000000">
+              <a:alpha val="29804"/>
+            </a:srgbClr>
+          </a:solidFill>
+          <a:ln>
+            <a:noFill/>
+          </a:ln>
+        </p:spPr>
+        <p:style>
+          <a:lnRef idx="2">
+            <a:schemeClr val="accent1">
+              <a:shade val="50000"/>
+            </a:schemeClr>
+          </a:lnRef>
+          <a:fillRef idx="1">
+            <a:schemeClr val="accent1"/>
+          </a:fillRef>
+          <a:effectRef idx="0">
+            <a:schemeClr val="accent1"/>
+          </a:effectRef>
+          <a:fontRef idx="minor">
+            <a:schemeClr val="lt1"/>
+          </a:fontRef>
+        </p:style>
+        <p:txBody>
+          <a:bodyPr rtlCol="0" anchor="ctr"/>
+          <a:lstStyle/>
+          <a:p>
+            <a:pPr algn="ctr"/>
+            <a:endParaRPr lang="en-US"/>
+          </a:p>
+        </p:txBody>
+      </p:sp>
+      <p:sp>
+        <p:nvSpPr>
+          <p:cNvPr id="12" name="Freeform 11">
+            <a:extLst>
+              <a:ext uri="{FF2B5EF4-FFF2-40B4-BE49-F238E27FC236}">
+                <a16:creationId xmlns:a16="http://schemas.microsoft.com/office/drawing/2014/main" id="{64E585EA-75FD-4025-8270-F66A58A15CDA}"/>
+              </a:ext>
+              <a:ext uri="{C183D7F6-B498-43B3-948B-1728B52AA6E4}">
+                <adec:decorative xmlns:adec="http://schemas.microsoft.com/office/drawing/2017/decorative" val="1"/>
+              </a:ext>
+            </a:extLst>
+          </p:cNvPr>
+          <p:cNvSpPr>
+            <a:spLocks noGrp="1" noRot="1" noChangeAspect="1" noMove="1" noResize="1" noEditPoints="1" noAdjustHandles="1" noChangeArrowheads="1" noChangeShapeType="1" noTextEdit="1"/>
+          </p:cNvSpPr>
+          <p:nvPr>
+            <p:extLst>
+              <p:ext uri="{386F3935-93C4-4BCD-93E2-E3B085C9AB24}">
+                <p16:designElem xmlns:p16="http://schemas.microsoft.com/office/powerpoint/2015/main" val="1"/>
+              </p:ext>
+            </p:extLst>
+          </p:nvPr>
+        </p:nvSpPr>
+        <p:spPr>
+          <a:xfrm>
+            <a:off x="0" y="0"/>
+            <a:ext cx="3581400" cy="6858000"/>
+          </a:xfrm>
+          <a:custGeom>
+            <a:avLst/>
+            <a:gdLst>
+              <a:gd name="connsiteX0" fmla="*/ 0 w 3581400"/>
+              <a:gd name="connsiteY0" fmla="*/ 0 h 6858000"/>
+              <a:gd name="connsiteX1" fmla="*/ 405246 w 3581400"/>
+              <a:gd name="connsiteY1" fmla="*/ 0 h 6858000"/>
+              <a:gd name="connsiteX2" fmla="*/ 3581400 w 3581400"/>
+              <a:gd name="connsiteY2" fmla="*/ 6858000 h 6858000"/>
+              <a:gd name="connsiteX3" fmla="*/ 0 w 3581400"/>
+              <a:gd name="connsiteY3" fmla="*/ 6858000 h 6858000"/>
+            </a:gdLst>
+            <a:ahLst/>
+            <a:cxnLst>
+              <a:cxn ang="0">
+                <a:pos x="connsiteX0" y="connsiteY0"/>
+              </a:cxn>
+              <a:cxn ang="0">
+                <a:pos x="connsiteX1" y="connsiteY1"/>
+              </a:cxn>
+              <a:cxn ang="0">
+                <a:pos x="connsiteX2" y="connsiteY2"/>
+              </a:cxn>
+              <a:cxn ang="0">
+                <a:pos x="connsiteX3" y="connsiteY3"/>
+              </a:cxn>
+            </a:cxnLst>
+            <a:rect l="l" t="t" r="r" b="b"/>
+            <a:pathLst>
+              <a:path w="3581400" h="6858000">
+                <a:moveTo>
+                  <a:pt x="0" y="0"/>
+                </a:moveTo>
+                <a:lnTo>
+                  <a:pt x="405246" y="0"/>
+                </a:lnTo>
+                <a:lnTo>
+                  <a:pt x="3581400" y="6858000"/>
+                </a:lnTo>
+                <a:lnTo>
+                  <a:pt x="0" y="6858000"/>
+                </a:lnTo>
+                <a:close/>
+              </a:path>
+            </a:pathLst>
+          </a:custGeom>
+          <a:solidFill>
+            <a:srgbClr val="000000">
+              <a:alpha val="29804"/>
+            </a:srgbClr>
+          </a:solidFill>
+          <a:ln>
+            <a:noFill/>
+          </a:ln>
+        </p:spPr>
+        <p:style>
+          <a:lnRef idx="2">
+            <a:schemeClr val="accent1">
+              <a:shade val="50000"/>
+            </a:schemeClr>
+          </a:lnRef>
+          <a:fillRef idx="1">
+            <a:schemeClr val="accent1"/>
+          </a:fillRef>
+          <a:effectRef idx="0">
+            <a:schemeClr val="accent1"/>
+          </a:effectRef>
+          <a:fontRef idx="minor">
+            <a:schemeClr val="lt1"/>
+          </a:fontRef>
+        </p:style>
+        <p:txBody>
+          <a:bodyPr wrap="square" rtlCol="0" anchor="ctr">
+            <a:noAutofit/>
+          </a:bodyPr>
+          <a:lstStyle/>
+          <a:p>
+            <a:pPr algn="ctr"/>
+            <a:endParaRPr lang="en-US"/>
+          </a:p>
+        </p:txBody>
+      </p:sp>
+      <p:sp>
+        <p:nvSpPr>
+          <p:cNvPr id="2" name="Title 1">
+            <a:extLst>
+              <a:ext uri="{FF2B5EF4-FFF2-40B4-BE49-F238E27FC236}">
+                <a16:creationId xmlns:a16="http://schemas.microsoft.com/office/drawing/2014/main" id="{B9DA0E66-1A6E-11AE-C362-27BEEDA4F9FD}"/>
+              </a:ext>
+            </a:extLst>
+          </p:cNvPr>
+          <p:cNvSpPr>
+            <a:spLocks noGrp="1"/>
+          </p:cNvSpPr>
+          <p:nvPr>
+            <p:ph type="title"/>
+          </p:nvPr>
+        </p:nvSpPr>
+        <p:spPr>
+          <a:xfrm>
+            <a:off x="833002" y="365125"/>
+            <a:ext cx="10520702" cy="1325563"/>
+          </a:xfrm>
+        </p:spPr>
+        <p:txBody>
+          <a:bodyPr>
+            <a:normAutofit/>
+          </a:bodyPr>
+          <a:lstStyle/>
+          <a:p>
+            <a:r>
+              <a:rPr lang="en-US">
+                <a:solidFill>
+                  <a:srgbClr val="FFFFFF"/>
+                </a:solidFill>
+              </a:rPr>
+              <a:t>Working Plan</a:t>
+            </a:r>
+          </a:p>
+        </p:txBody>
+      </p:sp>
+      <p:sp>
+        <p:nvSpPr>
+          <p:cNvPr id="3" name="Content Placeholder 2">
+            <a:extLst>
+              <a:ext uri="{FF2B5EF4-FFF2-40B4-BE49-F238E27FC236}">
+                <a16:creationId xmlns:a16="http://schemas.microsoft.com/office/drawing/2014/main" id="{15ECBF2B-DE33-1487-8AFF-F17CBDF1B212}"/>
+              </a:ext>
+            </a:extLst>
+          </p:cNvPr>
+          <p:cNvSpPr>
+            <a:spLocks noGrp="1"/>
+          </p:cNvSpPr>
+          <p:nvPr>
+            <p:ph idx="1"/>
+          </p:nvPr>
+        </p:nvSpPr>
+        <p:spPr>
+          <a:xfrm>
+            <a:off x="838201" y="2022601"/>
+            <a:ext cx="10515598" cy="4154361"/>
+          </a:xfrm>
+        </p:spPr>
+        <p:txBody>
+          <a:bodyPr>
+            <a:normAutofit/>
+          </a:bodyPr>
+          <a:lstStyle/>
+          <a:p>
+            <a:pPr marL="0" indent="0">
+              <a:buNone/>
+            </a:pPr>
+            <a:r>
+              <a:rPr lang="en-US" sz="2000" dirty="0">
+                <a:solidFill>
+                  <a:srgbClr val="FFFFFF"/>
+                </a:solidFill>
+              </a:rPr>
+              <a:t>We divided our work into several tasks which contains:</a:t>
+            </a:r>
+          </a:p>
+          <a:p>
+            <a:pPr lvl="1"/>
+            <a:r>
+              <a:rPr lang="en-US" sz="2000" dirty="0">
+                <a:solidFill>
+                  <a:srgbClr val="FFFFFF"/>
+                </a:solidFill>
+              </a:rPr>
               <a:t>Implementing the infrastructure of the project</a:t>
             </a:r>
           </a:p>
           <a:p>
             <a:pPr lvl="1"/>
             <a:r>
-              <a:rPr lang="en-US" sz="2000">
+              <a:rPr lang="en-US" sz="2000" dirty="0">
                 <a:solidFill>
                   <a:srgbClr val="FFFFFF"/>
                 </a:solidFill>
@@ -5127,7 +5530,7 @@
           <a:p>
             <a:pPr lvl="1"/>
             <a:r>
-              <a:rPr lang="en-US" sz="2000">
+              <a:rPr lang="en-US" sz="2000" dirty="0">
                 <a:solidFill>
                   <a:srgbClr val="FFFFFF"/>
                 </a:solidFill>
@@ -5138,7 +5541,7 @@
           <a:p>
             <a:pPr lvl="1"/>
             <a:r>
-              <a:rPr lang="en-US" sz="2000">
+              <a:rPr lang="en-US" sz="2000" dirty="0">
                 <a:solidFill>
                   <a:srgbClr val="FFFFFF"/>
                 </a:solidFill>
@@ -5149,7 +5552,7 @@
           <a:p>
             <a:pPr lvl="1"/>
             <a:r>
-              <a:rPr lang="en-US" sz="2000">
+              <a:rPr lang="en-US" sz="2000" dirty="0">
                 <a:solidFill>
                   <a:srgbClr val="FFFFFF"/>
                 </a:solidFill>
@@ -5160,7 +5563,7 @@
           <a:p>
             <a:pPr lvl="1"/>
             <a:r>
-              <a:rPr lang="en-US" sz="2000">
+              <a:rPr lang="en-US" sz="2000" dirty="0">
                 <a:solidFill>
                   <a:srgbClr val="FFFFFF"/>
                 </a:solidFill>
@@ -5171,7 +5574,7 @@
           <a:p>
             <a:pPr lvl="1"/>
             <a:r>
-              <a:rPr lang="en-US" sz="2000">
+              <a:rPr lang="en-US" sz="2000" dirty="0">
                 <a:solidFill>
                   <a:srgbClr val="FFFFFF"/>
                 </a:solidFill>
@@ -5182,7 +5585,7 @@
           <a:p>
             <a:pPr lvl="1"/>
             <a:r>
-              <a:rPr lang="en-US" sz="2000">
+              <a:rPr lang="en-US" sz="2000" dirty="0">
                 <a:solidFill>
                   <a:srgbClr val="FFFFFF"/>
                 </a:solidFill>
